--- a/NASKAH/Presentasi Laporan Skripsi - [NIM] - [NAMA] - [TAHUN ANGKATAN] - [TAHUN SKRIPSI].pptx
+++ b/NASKAH/Presentasi Laporan Skripsi - [NIM] - [NAMA] - [TAHUN ANGKATAN] - [TAHUN SKRIPSI].pptx
@@ -4,7 +4,17 @@
   <p:sldMasterIdLst>
     <p:sldMasterId id="2147483648" r:id="rId1"/>
   </p:sldMasterIdLst>
-  <p:sldSz cx="9144000" cy="6858000" type="screen4x3"/>
+  <p:sldIdLst>
+    <p:sldId id="256" r:id="rId2"/>
+    <p:sldId id="257" r:id="rId3"/>
+    <p:sldId id="258" r:id="rId4"/>
+    <p:sldId id="259" r:id="rId5"/>
+    <p:sldId id="260" r:id="rId6"/>
+    <p:sldId id="261" r:id="rId7"/>
+    <p:sldId id="262" r:id="rId8"/>
+    <p:sldId id="263" r:id="rId9"/>
+  </p:sldIdLst>
+  <p:sldSz cx="9144000" cy="5143500" type="screen16x9"/>
   <p:notesSz cx="6858000" cy="9144000"/>
   <p:defaultTextStyle>
     <a:defPPr>
@@ -133,8 +143,8 @@
         </p:nvSpPr>
         <p:spPr>
           <a:xfrm>
-            <a:off x="685800" y="2130425"/>
-            <a:ext cx="7772400" cy="1470025"/>
+            <a:off x="685800" y="1597819"/>
+            <a:ext cx="7772400" cy="1102519"/>
           </a:xfrm>
         </p:spPr>
         <p:txBody>
@@ -161,8 +171,8 @@
         </p:nvSpPr>
         <p:spPr>
           <a:xfrm>
-            <a:off x="1371600" y="3886200"/>
-            <a:ext cx="6400800" cy="1752600"/>
+            <a:off x="1371600" y="2914650"/>
+            <a:ext cx="6400800" cy="1314450"/>
           </a:xfrm>
         </p:spPr>
         <p:txBody>
@@ -286,7 +296,7 @@
             <a:fld id="{1D8BD707-D9CF-40AE-B4C6-C98DA3205C09}" type="datetimeFigureOut">
               <a:rPr lang="en-US" smtClean="0"/>
               <a:pPr/>
-              <a:t>9/18/2006</a:t>
+              <a:t>5/9/2022</a:t>
             </a:fld>
             <a:endParaRPr lang="en-US"/>
           </a:p>
@@ -453,7 +463,7 @@
             <a:fld id="{1D8BD707-D9CF-40AE-B4C6-C98DA3205C09}" type="datetimeFigureOut">
               <a:rPr lang="en-US" smtClean="0"/>
               <a:pPr/>
-              <a:t>9/18/2006</a:t>
+              <a:t>5/9/2022</a:t>
             </a:fld>
             <a:endParaRPr lang="en-US"/>
           </a:p>
@@ -539,8 +549,8 @@
         </p:nvSpPr>
         <p:spPr>
           <a:xfrm>
-            <a:off x="6629400" y="274638"/>
-            <a:ext cx="2057400" cy="5851525"/>
+            <a:off x="6629400" y="205979"/>
+            <a:ext cx="2057400" cy="4388644"/>
           </a:xfrm>
         </p:spPr>
         <p:txBody>
@@ -567,8 +577,8 @@
         </p:nvSpPr>
         <p:spPr>
           <a:xfrm>
-            <a:off x="457200" y="274638"/>
-            <a:ext cx="6019800" cy="5851525"/>
+            <a:off x="457200" y="205979"/>
+            <a:ext cx="6019800" cy="4388644"/>
           </a:xfrm>
         </p:spPr>
         <p:txBody>
@@ -630,7 +640,7 @@
             <a:fld id="{1D8BD707-D9CF-40AE-B4C6-C98DA3205C09}" type="datetimeFigureOut">
               <a:rPr lang="en-US" smtClean="0"/>
               <a:pPr/>
-              <a:t>9/18/2006</a:t>
+              <a:t>5/9/2022</a:t>
             </a:fld>
             <a:endParaRPr lang="en-US"/>
           </a:p>
@@ -797,7 +807,7 @@
             <a:fld id="{1D8BD707-D9CF-40AE-B4C6-C98DA3205C09}" type="datetimeFigureOut">
               <a:rPr lang="en-US" smtClean="0"/>
               <a:pPr/>
-              <a:t>9/18/2006</a:t>
+              <a:t>5/9/2022</a:t>
             </a:fld>
             <a:endParaRPr lang="en-US"/>
           </a:p>
@@ -883,8 +893,8 @@
         </p:nvSpPr>
         <p:spPr>
           <a:xfrm>
-            <a:off x="722313" y="4406900"/>
-            <a:ext cx="7772400" cy="1362075"/>
+            <a:off x="722313" y="3305176"/>
+            <a:ext cx="7772400" cy="1021556"/>
           </a:xfrm>
         </p:spPr>
         <p:txBody>
@@ -915,8 +925,8 @@
         </p:nvSpPr>
         <p:spPr>
           <a:xfrm>
-            <a:off x="722313" y="2906713"/>
-            <a:ext cx="7772400" cy="1500187"/>
+            <a:off x="722313" y="2180035"/>
+            <a:ext cx="7772400" cy="1125140"/>
           </a:xfrm>
         </p:spPr>
         <p:txBody>
@@ -1040,7 +1050,7 @@
             <a:fld id="{1D8BD707-D9CF-40AE-B4C6-C98DA3205C09}" type="datetimeFigureOut">
               <a:rPr lang="en-US" smtClean="0"/>
               <a:pPr/>
-              <a:t>9/18/2006</a:t>
+              <a:t>5/9/2022</a:t>
             </a:fld>
             <a:endParaRPr lang="en-US"/>
           </a:p>
@@ -1149,8 +1159,8 @@
         </p:nvSpPr>
         <p:spPr>
           <a:xfrm>
-            <a:off x="457200" y="1600200"/>
-            <a:ext cx="4038600" cy="4525963"/>
+            <a:off x="457200" y="1200151"/>
+            <a:ext cx="4038600" cy="3394472"/>
           </a:xfrm>
         </p:spPr>
         <p:txBody>
@@ -1234,8 +1244,8 @@
         </p:nvSpPr>
         <p:spPr>
           <a:xfrm>
-            <a:off x="4648200" y="1600200"/>
-            <a:ext cx="4038600" cy="4525963"/>
+            <a:off x="4648200" y="1200151"/>
+            <a:ext cx="4038600" cy="3394472"/>
           </a:xfrm>
         </p:spPr>
         <p:txBody>
@@ -1325,7 +1335,7 @@
             <a:fld id="{1D8BD707-D9CF-40AE-B4C6-C98DA3205C09}" type="datetimeFigureOut">
               <a:rPr lang="en-US" smtClean="0"/>
               <a:pPr/>
-              <a:t>9/18/2006</a:t>
+              <a:t>5/9/2022</a:t>
             </a:fld>
             <a:endParaRPr lang="en-US"/>
           </a:p>
@@ -1438,8 +1448,8 @@
         </p:nvSpPr>
         <p:spPr>
           <a:xfrm>
-            <a:off x="457200" y="1535113"/>
-            <a:ext cx="4040188" cy="639762"/>
+            <a:off x="457200" y="1151335"/>
+            <a:ext cx="4040188" cy="479822"/>
           </a:xfrm>
         </p:spPr>
         <p:txBody>
@@ -1503,8 +1513,8 @@
         </p:nvSpPr>
         <p:spPr>
           <a:xfrm>
-            <a:off x="457200" y="2174875"/>
-            <a:ext cx="4040188" cy="3951288"/>
+            <a:off x="457200" y="1631156"/>
+            <a:ext cx="4040188" cy="2963466"/>
           </a:xfrm>
         </p:spPr>
         <p:txBody>
@@ -1588,8 +1598,8 @@
         </p:nvSpPr>
         <p:spPr>
           <a:xfrm>
-            <a:off x="4645025" y="1535113"/>
-            <a:ext cx="4041775" cy="639762"/>
+            <a:off x="4645026" y="1151335"/>
+            <a:ext cx="4041775" cy="479822"/>
           </a:xfrm>
         </p:spPr>
         <p:txBody>
@@ -1653,8 +1663,8 @@
         </p:nvSpPr>
         <p:spPr>
           <a:xfrm>
-            <a:off x="4645025" y="2174875"/>
-            <a:ext cx="4041775" cy="3951288"/>
+            <a:off x="4645026" y="1631156"/>
+            <a:ext cx="4041775" cy="2963466"/>
           </a:xfrm>
         </p:spPr>
         <p:txBody>
@@ -1744,7 +1754,7 @@
             <a:fld id="{1D8BD707-D9CF-40AE-B4C6-C98DA3205C09}" type="datetimeFigureOut">
               <a:rPr lang="en-US" smtClean="0"/>
               <a:pPr/>
-              <a:t>9/18/2006</a:t>
+              <a:t>5/9/2022</a:t>
             </a:fld>
             <a:endParaRPr lang="en-US"/>
           </a:p>
@@ -1859,7 +1869,7 @@
             <a:fld id="{1D8BD707-D9CF-40AE-B4C6-C98DA3205C09}" type="datetimeFigureOut">
               <a:rPr lang="en-US" smtClean="0"/>
               <a:pPr/>
-              <a:t>9/18/2006</a:t>
+              <a:t>5/9/2022</a:t>
             </a:fld>
             <a:endParaRPr lang="en-US"/>
           </a:p>
@@ -1951,7 +1961,7 @@
             <a:fld id="{1D8BD707-D9CF-40AE-B4C6-C98DA3205C09}" type="datetimeFigureOut">
               <a:rPr lang="en-US" smtClean="0"/>
               <a:pPr/>
-              <a:t>9/18/2006</a:t>
+              <a:t>5/9/2022</a:t>
             </a:fld>
             <a:endParaRPr lang="en-US"/>
           </a:p>
@@ -2037,8 +2047,8 @@
         </p:nvSpPr>
         <p:spPr>
           <a:xfrm>
-            <a:off x="457200" y="273050"/>
-            <a:ext cx="3008313" cy="1162050"/>
+            <a:off x="457201" y="204787"/>
+            <a:ext cx="3008313" cy="871538"/>
           </a:xfrm>
         </p:spPr>
         <p:txBody>
@@ -2069,8 +2079,8 @@
         </p:nvSpPr>
         <p:spPr>
           <a:xfrm>
-            <a:off x="3575050" y="273050"/>
-            <a:ext cx="5111750" cy="5853113"/>
+            <a:off x="3575050" y="204788"/>
+            <a:ext cx="5111750" cy="4389835"/>
           </a:xfrm>
         </p:spPr>
         <p:txBody>
@@ -2154,8 +2164,8 @@
         </p:nvSpPr>
         <p:spPr>
           <a:xfrm>
-            <a:off x="457200" y="1435100"/>
-            <a:ext cx="3008313" cy="4691063"/>
+            <a:off x="457201" y="1076326"/>
+            <a:ext cx="3008313" cy="3518297"/>
           </a:xfrm>
         </p:spPr>
         <p:txBody>
@@ -2225,7 +2235,7 @@
             <a:fld id="{1D8BD707-D9CF-40AE-B4C6-C98DA3205C09}" type="datetimeFigureOut">
               <a:rPr lang="en-US" smtClean="0"/>
               <a:pPr/>
-              <a:t>9/18/2006</a:t>
+              <a:t>5/9/2022</a:t>
             </a:fld>
             <a:endParaRPr lang="en-US"/>
           </a:p>
@@ -2311,8 +2321,8 @@
         </p:nvSpPr>
         <p:spPr>
           <a:xfrm>
-            <a:off x="1792288" y="4800600"/>
-            <a:ext cx="5486400" cy="566738"/>
+            <a:off x="1792288" y="3600450"/>
+            <a:ext cx="5486400" cy="425054"/>
           </a:xfrm>
         </p:spPr>
         <p:txBody>
@@ -2343,8 +2353,8 @@
         </p:nvSpPr>
         <p:spPr>
           <a:xfrm>
-            <a:off x="1792288" y="612775"/>
-            <a:ext cx="5486400" cy="4114800"/>
+            <a:off x="1792288" y="459581"/>
+            <a:ext cx="5486400" cy="3086100"/>
           </a:xfrm>
         </p:spPr>
         <p:txBody>
@@ -2404,8 +2414,8 @@
         </p:nvSpPr>
         <p:spPr>
           <a:xfrm>
-            <a:off x="1792288" y="5367338"/>
-            <a:ext cx="5486400" cy="804862"/>
+            <a:off x="1792288" y="4025503"/>
+            <a:ext cx="5486400" cy="603647"/>
           </a:xfrm>
         </p:spPr>
         <p:txBody>
@@ -2475,7 +2485,7 @@
             <a:fld id="{1D8BD707-D9CF-40AE-B4C6-C98DA3205C09}" type="datetimeFigureOut">
               <a:rPr lang="en-US" smtClean="0"/>
               <a:pPr/>
-              <a:t>9/18/2006</a:t>
+              <a:t>5/9/2022</a:t>
             </a:fld>
             <a:endParaRPr lang="en-US"/>
           </a:p>
@@ -2566,8 +2576,8 @@
         </p:nvSpPr>
         <p:spPr>
           <a:xfrm>
-            <a:off x="457200" y="274638"/>
-            <a:ext cx="8229600" cy="1143000"/>
+            <a:off x="457200" y="205979"/>
+            <a:ext cx="8229600" cy="857250"/>
           </a:xfrm>
           <a:prstGeom prst="rect">
             <a:avLst/>
@@ -2599,8 +2609,8 @@
         </p:nvSpPr>
         <p:spPr>
           <a:xfrm>
-            <a:off x="457200" y="1600200"/>
-            <a:ext cx="8229600" cy="4525963"/>
+            <a:off x="457200" y="1200151"/>
+            <a:ext cx="8229600" cy="3394472"/>
           </a:xfrm>
           <a:prstGeom prst="rect">
             <a:avLst/>
@@ -2661,8 +2671,8 @@
         </p:nvSpPr>
         <p:spPr>
           <a:xfrm>
-            <a:off x="457200" y="6356350"/>
-            <a:ext cx="2133600" cy="365125"/>
+            <a:off x="457200" y="4767263"/>
+            <a:ext cx="2133600" cy="273844"/>
           </a:xfrm>
           <a:prstGeom prst="rect">
             <a:avLst/>
@@ -2685,7 +2695,7 @@
             <a:fld id="{1D8BD707-D9CF-40AE-B4C6-C98DA3205C09}" type="datetimeFigureOut">
               <a:rPr lang="en-US" smtClean="0"/>
               <a:pPr/>
-              <a:t>9/18/2006</a:t>
+              <a:t>5/9/2022</a:t>
             </a:fld>
             <a:endParaRPr lang="en-US"/>
           </a:p>
@@ -2703,8 +2713,8 @@
         </p:nvSpPr>
         <p:spPr>
           <a:xfrm>
-            <a:off x="3124200" y="6356350"/>
-            <a:ext cx="2895600" cy="365125"/>
+            <a:off x="3124200" y="4767263"/>
+            <a:ext cx="2895600" cy="273844"/>
           </a:xfrm>
           <a:prstGeom prst="rect">
             <a:avLst/>
@@ -2740,8 +2750,8 @@
         </p:nvSpPr>
         <p:spPr>
           <a:xfrm>
-            <a:off x="6553200" y="6356350"/>
-            <a:ext cx="2133600" cy="365125"/>
+            <a:off x="6553200" y="4767263"/>
+            <a:ext cx="2133600" cy="273844"/>
           </a:xfrm>
           <a:prstGeom prst="rect">
             <a:avLst/>
@@ -3037,6 +3047,588 @@
     </p:otherStyle>
   </p:txStyles>
 </p:sldMaster>
+</file>
+
+<file path=ppt/slides/slide1.xml><?xml version="1.0" encoding="utf-8"?>
+<p:sld xmlns:a="http://schemas.openxmlformats.org/drawingml/2006/main" xmlns:r="http://schemas.openxmlformats.org/officeDocument/2006/relationships" xmlns:p="http://schemas.openxmlformats.org/presentationml/2006/main">
+  <p:cSld>
+    <p:spTree>
+      <p:nvGrpSpPr>
+        <p:cNvPr id="1" name=""/>
+        <p:cNvGrpSpPr/>
+        <p:nvPr/>
+      </p:nvGrpSpPr>
+      <p:grpSpPr>
+        <a:xfrm>
+          <a:off x="0" y="0"/>
+          <a:ext cx="0" cy="0"/>
+          <a:chOff x="0" y="0"/>
+          <a:chExt cx="0" cy="0"/>
+        </a:xfrm>
+      </p:grpSpPr>
+      <p:sp>
+        <p:nvSpPr>
+          <p:cNvPr id="2" name="Title 1"/>
+          <p:cNvSpPr>
+            <a:spLocks noGrp="1"/>
+          </p:cNvSpPr>
+          <p:nvPr>
+            <p:ph type="ctrTitle"/>
+          </p:nvPr>
+        </p:nvSpPr>
+        <p:spPr/>
+        <p:txBody>
+          <a:bodyPr/>
+          <a:lstStyle/>
+          <a:p>
+            <a:r>
+              <a:rPr lang="id-ID" dirty="0" smtClean="0"/>
+              <a:t>JUDUL</a:t>
+            </a:r>
+            <a:endParaRPr lang="id-ID" dirty="0"/>
+          </a:p>
+        </p:txBody>
+      </p:sp>
+      <p:sp>
+        <p:nvSpPr>
+          <p:cNvPr id="3" name="Subtitle 2"/>
+          <p:cNvSpPr>
+            <a:spLocks noGrp="1"/>
+          </p:cNvSpPr>
+          <p:nvPr>
+            <p:ph type="subTitle" idx="1"/>
+          </p:nvPr>
+        </p:nvSpPr>
+        <p:spPr/>
+        <p:txBody>
+          <a:bodyPr/>
+          <a:lstStyle/>
+          <a:p>
+            <a:r>
+              <a:rPr lang="id-ID" smtClean="0"/>
+              <a:t>NIM – NAMA</a:t>
+            </a:r>
+            <a:endParaRPr lang="id-ID" dirty="0"/>
+          </a:p>
+        </p:txBody>
+      </p:sp>
+      <p:sp>
+        <p:nvSpPr>
+          <p:cNvPr id="4" name="TextBox 3"/>
+          <p:cNvSpPr txBox="1"/>
+          <p:nvPr/>
+        </p:nvSpPr>
+        <p:spPr>
+          <a:xfrm>
+            <a:off x="1295400" y="3714750"/>
+            <a:ext cx="6553200" cy="923330"/>
+          </a:xfrm>
+          <a:prstGeom prst="rect">
+            <a:avLst/>
+          </a:prstGeom>
+          <a:noFill/>
+        </p:spPr>
+        <p:txBody>
+          <a:bodyPr wrap="square" rtlCol="0">
+            <a:spAutoFit/>
+          </a:bodyPr>
+          <a:lstStyle/>
+          <a:p>
+            <a:r>
+              <a:rPr lang="id-ID" dirty="0" smtClean="0"/>
+              <a:t>Ketua Penguji:</a:t>
+            </a:r>
+          </a:p>
+          <a:p>
+            <a:r>
+              <a:rPr lang="id-ID" dirty="0" smtClean="0"/>
+              <a:t>Sekretaris Penguji:</a:t>
+            </a:r>
+          </a:p>
+          <a:p>
+            <a:r>
+              <a:rPr lang="id-ID" dirty="0" smtClean="0"/>
+              <a:t>Anggota Penguji:</a:t>
+            </a:r>
+            <a:endParaRPr lang="id-ID" dirty="0"/>
+          </a:p>
+        </p:txBody>
+      </p:sp>
+    </p:spTree>
+  </p:cSld>
+  <p:clrMapOvr>
+    <a:masterClrMapping/>
+  </p:clrMapOvr>
+</p:sld>
+</file>
+
+<file path=ppt/slides/slide2.xml><?xml version="1.0" encoding="utf-8"?>
+<p:sld xmlns:a="http://schemas.openxmlformats.org/drawingml/2006/main" xmlns:r="http://schemas.openxmlformats.org/officeDocument/2006/relationships" xmlns:p="http://schemas.openxmlformats.org/presentationml/2006/main">
+  <p:cSld>
+    <p:spTree>
+      <p:nvGrpSpPr>
+        <p:cNvPr id="1" name=""/>
+        <p:cNvGrpSpPr/>
+        <p:nvPr/>
+      </p:nvGrpSpPr>
+      <p:grpSpPr>
+        <a:xfrm>
+          <a:off x="0" y="0"/>
+          <a:ext cx="0" cy="0"/>
+          <a:chOff x="0" y="0"/>
+          <a:chExt cx="0" cy="0"/>
+        </a:xfrm>
+      </p:grpSpPr>
+      <p:sp>
+        <p:nvSpPr>
+          <p:cNvPr id="2" name="Title 1"/>
+          <p:cNvSpPr>
+            <a:spLocks noGrp="1"/>
+          </p:cNvSpPr>
+          <p:nvPr>
+            <p:ph type="title"/>
+          </p:nvPr>
+        </p:nvSpPr>
+        <p:spPr/>
+        <p:txBody>
+          <a:bodyPr/>
+          <a:lstStyle/>
+          <a:p>
+            <a:r>
+              <a:rPr lang="id-ID" dirty="0" smtClean="0"/>
+              <a:t>Permasalahan &amp; Tawaran Solusi</a:t>
+            </a:r>
+            <a:endParaRPr lang="id-ID" dirty="0"/>
+          </a:p>
+        </p:txBody>
+      </p:sp>
+      <p:sp>
+        <p:nvSpPr>
+          <p:cNvPr id="3" name="Content Placeholder 2"/>
+          <p:cNvSpPr>
+            <a:spLocks noGrp="1"/>
+          </p:cNvSpPr>
+          <p:nvPr>
+            <p:ph idx="1"/>
+          </p:nvPr>
+        </p:nvSpPr>
+        <p:spPr/>
+        <p:txBody>
+          <a:bodyPr/>
+          <a:lstStyle/>
+          <a:p>
+            <a:endParaRPr lang="id-ID"/>
+          </a:p>
+        </p:txBody>
+      </p:sp>
+    </p:spTree>
+  </p:cSld>
+  <p:clrMapOvr>
+    <a:masterClrMapping/>
+  </p:clrMapOvr>
+</p:sld>
+</file>
+
+<file path=ppt/slides/slide3.xml><?xml version="1.0" encoding="utf-8"?>
+<p:sld xmlns:a="http://schemas.openxmlformats.org/drawingml/2006/main" xmlns:r="http://schemas.openxmlformats.org/officeDocument/2006/relationships" xmlns:p="http://schemas.openxmlformats.org/presentationml/2006/main">
+  <p:cSld>
+    <p:spTree>
+      <p:nvGrpSpPr>
+        <p:cNvPr id="1" name=""/>
+        <p:cNvGrpSpPr/>
+        <p:nvPr/>
+      </p:nvGrpSpPr>
+      <p:grpSpPr>
+        <a:xfrm>
+          <a:off x="0" y="0"/>
+          <a:ext cx="0" cy="0"/>
+          <a:chOff x="0" y="0"/>
+          <a:chExt cx="0" cy="0"/>
+        </a:xfrm>
+      </p:grpSpPr>
+      <p:sp>
+        <p:nvSpPr>
+          <p:cNvPr id="2" name="Title 1"/>
+          <p:cNvSpPr>
+            <a:spLocks noGrp="1"/>
+          </p:cNvSpPr>
+          <p:nvPr>
+            <p:ph type="title"/>
+          </p:nvPr>
+        </p:nvSpPr>
+        <p:spPr/>
+        <p:txBody>
+          <a:bodyPr/>
+          <a:lstStyle/>
+          <a:p>
+            <a:r>
+              <a:rPr lang="id-ID" dirty="0" smtClean="0"/>
+              <a:t>State of the Art</a:t>
+            </a:r>
+            <a:endParaRPr lang="id-ID" dirty="0"/>
+          </a:p>
+        </p:txBody>
+      </p:sp>
+      <p:sp>
+        <p:nvSpPr>
+          <p:cNvPr id="3" name="Content Placeholder 2"/>
+          <p:cNvSpPr>
+            <a:spLocks noGrp="1"/>
+          </p:cNvSpPr>
+          <p:nvPr>
+            <p:ph idx="1"/>
+          </p:nvPr>
+        </p:nvSpPr>
+        <p:spPr/>
+        <p:txBody>
+          <a:bodyPr/>
+          <a:lstStyle/>
+          <a:p>
+            <a:endParaRPr lang="id-ID"/>
+          </a:p>
+        </p:txBody>
+      </p:sp>
+    </p:spTree>
+  </p:cSld>
+  <p:clrMapOvr>
+    <a:masterClrMapping/>
+  </p:clrMapOvr>
+</p:sld>
+</file>
+
+<file path=ppt/slides/slide4.xml><?xml version="1.0" encoding="utf-8"?>
+<p:sld xmlns:a="http://schemas.openxmlformats.org/drawingml/2006/main" xmlns:r="http://schemas.openxmlformats.org/officeDocument/2006/relationships" xmlns:p="http://schemas.openxmlformats.org/presentationml/2006/main">
+  <p:cSld>
+    <p:spTree>
+      <p:nvGrpSpPr>
+        <p:cNvPr id="1" name=""/>
+        <p:cNvGrpSpPr/>
+        <p:nvPr/>
+      </p:nvGrpSpPr>
+      <p:grpSpPr>
+        <a:xfrm>
+          <a:off x="0" y="0"/>
+          <a:ext cx="0" cy="0"/>
+          <a:chOff x="0" y="0"/>
+          <a:chExt cx="0" cy="0"/>
+        </a:xfrm>
+      </p:grpSpPr>
+      <p:sp>
+        <p:nvSpPr>
+          <p:cNvPr id="2" name="Title 1"/>
+          <p:cNvSpPr>
+            <a:spLocks noGrp="1"/>
+          </p:cNvSpPr>
+          <p:nvPr>
+            <p:ph type="title"/>
+          </p:nvPr>
+        </p:nvSpPr>
+        <p:spPr/>
+        <p:txBody>
+          <a:bodyPr/>
+          <a:lstStyle/>
+          <a:p>
+            <a:r>
+              <a:rPr lang="id-ID" dirty="0" smtClean="0"/>
+              <a:t>Metodologi Penelitian</a:t>
+            </a:r>
+            <a:endParaRPr lang="id-ID" dirty="0"/>
+          </a:p>
+        </p:txBody>
+      </p:sp>
+      <p:sp>
+        <p:nvSpPr>
+          <p:cNvPr id="3" name="Content Placeholder 2"/>
+          <p:cNvSpPr>
+            <a:spLocks noGrp="1"/>
+          </p:cNvSpPr>
+          <p:nvPr>
+            <p:ph idx="1"/>
+          </p:nvPr>
+        </p:nvSpPr>
+        <p:spPr/>
+        <p:txBody>
+          <a:bodyPr/>
+          <a:lstStyle/>
+          <a:p>
+            <a:endParaRPr lang="id-ID"/>
+          </a:p>
+        </p:txBody>
+      </p:sp>
+    </p:spTree>
+  </p:cSld>
+  <p:clrMapOvr>
+    <a:masterClrMapping/>
+  </p:clrMapOvr>
+</p:sld>
+</file>
+
+<file path=ppt/slides/slide5.xml><?xml version="1.0" encoding="utf-8"?>
+<p:sld xmlns:a="http://schemas.openxmlformats.org/drawingml/2006/main" xmlns:r="http://schemas.openxmlformats.org/officeDocument/2006/relationships" xmlns:p="http://schemas.openxmlformats.org/presentationml/2006/main">
+  <p:cSld>
+    <p:spTree>
+      <p:nvGrpSpPr>
+        <p:cNvPr id="1" name=""/>
+        <p:cNvGrpSpPr/>
+        <p:nvPr/>
+      </p:nvGrpSpPr>
+      <p:grpSpPr>
+        <a:xfrm>
+          <a:off x="0" y="0"/>
+          <a:ext cx="0" cy="0"/>
+          <a:chOff x="0" y="0"/>
+          <a:chExt cx="0" cy="0"/>
+        </a:xfrm>
+      </p:grpSpPr>
+      <p:sp>
+        <p:nvSpPr>
+          <p:cNvPr id="2" name="Title 1"/>
+          <p:cNvSpPr>
+            <a:spLocks noGrp="1"/>
+          </p:cNvSpPr>
+          <p:nvPr>
+            <p:ph type="title"/>
+          </p:nvPr>
+        </p:nvSpPr>
+        <p:spPr/>
+        <p:txBody>
+          <a:bodyPr/>
+          <a:lstStyle/>
+          <a:p>
+            <a:r>
+              <a:rPr lang="id-ID" dirty="0" smtClean="0"/>
+              <a:t>Metodologi Penelitian</a:t>
+            </a:r>
+            <a:endParaRPr lang="id-ID" dirty="0"/>
+          </a:p>
+        </p:txBody>
+      </p:sp>
+      <p:sp>
+        <p:nvSpPr>
+          <p:cNvPr id="3" name="Content Placeholder 2"/>
+          <p:cNvSpPr>
+            <a:spLocks noGrp="1"/>
+          </p:cNvSpPr>
+          <p:nvPr>
+            <p:ph idx="1"/>
+          </p:nvPr>
+        </p:nvSpPr>
+        <p:spPr/>
+        <p:txBody>
+          <a:bodyPr/>
+          <a:lstStyle/>
+          <a:p>
+            <a:endParaRPr lang="id-ID"/>
+          </a:p>
+        </p:txBody>
+      </p:sp>
+    </p:spTree>
+  </p:cSld>
+  <p:clrMapOvr>
+    <a:masterClrMapping/>
+  </p:clrMapOvr>
+</p:sld>
+</file>
+
+<file path=ppt/slides/slide6.xml><?xml version="1.0" encoding="utf-8"?>
+<p:sld xmlns:a="http://schemas.openxmlformats.org/drawingml/2006/main" xmlns:r="http://schemas.openxmlformats.org/officeDocument/2006/relationships" xmlns:p="http://schemas.openxmlformats.org/presentationml/2006/main">
+  <p:cSld>
+    <p:spTree>
+      <p:nvGrpSpPr>
+        <p:cNvPr id="1" name=""/>
+        <p:cNvGrpSpPr/>
+        <p:nvPr/>
+      </p:nvGrpSpPr>
+      <p:grpSpPr>
+        <a:xfrm>
+          <a:off x="0" y="0"/>
+          <a:ext cx="0" cy="0"/>
+          <a:chOff x="0" y="0"/>
+          <a:chExt cx="0" cy="0"/>
+        </a:xfrm>
+      </p:grpSpPr>
+      <p:sp>
+        <p:nvSpPr>
+          <p:cNvPr id="2" name="Title 1"/>
+          <p:cNvSpPr>
+            <a:spLocks noGrp="1"/>
+          </p:cNvSpPr>
+          <p:nvPr>
+            <p:ph type="title"/>
+          </p:nvPr>
+        </p:nvSpPr>
+        <p:spPr/>
+        <p:txBody>
+          <a:bodyPr/>
+          <a:lstStyle/>
+          <a:p>
+            <a:r>
+              <a:rPr lang="id-ID" dirty="0" smtClean="0"/>
+              <a:t>Hasil dan Pembahasan</a:t>
+            </a:r>
+            <a:endParaRPr lang="id-ID" dirty="0"/>
+          </a:p>
+        </p:txBody>
+      </p:sp>
+      <p:sp>
+        <p:nvSpPr>
+          <p:cNvPr id="3" name="Content Placeholder 2"/>
+          <p:cNvSpPr>
+            <a:spLocks noGrp="1"/>
+          </p:cNvSpPr>
+          <p:nvPr>
+            <p:ph idx="1"/>
+          </p:nvPr>
+        </p:nvSpPr>
+        <p:spPr/>
+        <p:txBody>
+          <a:bodyPr/>
+          <a:lstStyle/>
+          <a:p>
+            <a:endParaRPr lang="id-ID"/>
+          </a:p>
+        </p:txBody>
+      </p:sp>
+    </p:spTree>
+  </p:cSld>
+  <p:clrMapOvr>
+    <a:masterClrMapping/>
+  </p:clrMapOvr>
+</p:sld>
+</file>
+
+<file path=ppt/slides/slide7.xml><?xml version="1.0" encoding="utf-8"?>
+<p:sld xmlns:a="http://schemas.openxmlformats.org/drawingml/2006/main" xmlns:r="http://schemas.openxmlformats.org/officeDocument/2006/relationships" xmlns:p="http://schemas.openxmlformats.org/presentationml/2006/main">
+  <p:cSld>
+    <p:spTree>
+      <p:nvGrpSpPr>
+        <p:cNvPr id="1" name=""/>
+        <p:cNvGrpSpPr/>
+        <p:nvPr/>
+      </p:nvGrpSpPr>
+      <p:grpSpPr>
+        <a:xfrm>
+          <a:off x="0" y="0"/>
+          <a:ext cx="0" cy="0"/>
+          <a:chOff x="0" y="0"/>
+          <a:chExt cx="0" cy="0"/>
+        </a:xfrm>
+      </p:grpSpPr>
+      <p:sp>
+        <p:nvSpPr>
+          <p:cNvPr id="2" name="Title 1"/>
+          <p:cNvSpPr>
+            <a:spLocks noGrp="1"/>
+          </p:cNvSpPr>
+          <p:nvPr>
+            <p:ph type="title"/>
+          </p:nvPr>
+        </p:nvSpPr>
+        <p:spPr/>
+        <p:txBody>
+          <a:bodyPr/>
+          <a:lstStyle/>
+          <a:p>
+            <a:r>
+              <a:rPr lang="id-ID" dirty="0" smtClean="0"/>
+              <a:t>Kesimpulan dan Saran</a:t>
+            </a:r>
+            <a:endParaRPr lang="id-ID" dirty="0"/>
+          </a:p>
+        </p:txBody>
+      </p:sp>
+      <p:sp>
+        <p:nvSpPr>
+          <p:cNvPr id="3" name="Content Placeholder 2"/>
+          <p:cNvSpPr>
+            <a:spLocks noGrp="1"/>
+          </p:cNvSpPr>
+          <p:nvPr>
+            <p:ph idx="1"/>
+          </p:nvPr>
+        </p:nvSpPr>
+        <p:spPr/>
+        <p:txBody>
+          <a:bodyPr/>
+          <a:lstStyle/>
+          <a:p>
+            <a:endParaRPr lang="id-ID"/>
+          </a:p>
+        </p:txBody>
+      </p:sp>
+    </p:spTree>
+  </p:cSld>
+  <p:clrMapOvr>
+    <a:masterClrMapping/>
+  </p:clrMapOvr>
+</p:sld>
+</file>
+
+<file path=ppt/slides/slide8.xml><?xml version="1.0" encoding="utf-8"?>
+<p:sld xmlns:a="http://schemas.openxmlformats.org/drawingml/2006/main" xmlns:r="http://schemas.openxmlformats.org/officeDocument/2006/relationships" xmlns:p="http://schemas.openxmlformats.org/presentationml/2006/main">
+  <p:cSld>
+    <p:spTree>
+      <p:nvGrpSpPr>
+        <p:cNvPr id="1" name=""/>
+        <p:cNvGrpSpPr/>
+        <p:nvPr/>
+      </p:nvGrpSpPr>
+      <p:grpSpPr>
+        <a:xfrm>
+          <a:off x="0" y="0"/>
+          <a:ext cx="0" cy="0"/>
+          <a:chOff x="0" y="0"/>
+          <a:chExt cx="0" cy="0"/>
+        </a:xfrm>
+      </p:grpSpPr>
+      <p:sp>
+        <p:nvSpPr>
+          <p:cNvPr id="2" name="Title 1"/>
+          <p:cNvSpPr>
+            <a:spLocks noGrp="1"/>
+          </p:cNvSpPr>
+          <p:nvPr>
+            <p:ph type="title"/>
+          </p:nvPr>
+        </p:nvSpPr>
+        <p:spPr/>
+        <p:txBody>
+          <a:bodyPr/>
+          <a:lstStyle/>
+          <a:p>
+            <a:r>
+              <a:rPr lang="id-ID" smtClean="0"/>
+              <a:t>Penutup</a:t>
+            </a:r>
+            <a:endParaRPr lang="id-ID"/>
+          </a:p>
+        </p:txBody>
+      </p:sp>
+      <p:sp>
+        <p:nvSpPr>
+          <p:cNvPr id="3" name="Content Placeholder 2"/>
+          <p:cNvSpPr>
+            <a:spLocks noGrp="1"/>
+          </p:cNvSpPr>
+          <p:nvPr>
+            <p:ph idx="1"/>
+          </p:nvPr>
+        </p:nvSpPr>
+        <p:spPr/>
+        <p:txBody>
+          <a:bodyPr/>
+          <a:lstStyle/>
+          <a:p>
+            <a:endParaRPr lang="id-ID"/>
+          </a:p>
+        </p:txBody>
+      </p:sp>
+    </p:spTree>
+  </p:cSld>
+  <p:clrMapOvr>
+    <a:masterClrMapping/>
+  </p:clrMapOvr>
+</p:sld>
 </file>
 
 <file path=ppt/theme/theme1.xml><?xml version="1.0" encoding="utf-8"?>
